--- a/1. Front-end/5. jQuery vs JS/jQuery.pptx
+++ b/1. Front-end/5. jQuery vs JS/jQuery.pptx
@@ -212,7 +212,7 @@
           <a:p>
             <a:fld id="{0C0C87E9-5FAC-49BC-87EE-D99AA2AEA5C1}" type="datetimeFigureOut">
               <a:rPr lang="en-GB" smtClean="0"/>
-              <a:t>22/05/2018</a:t>
+              <a:t>08/07/2018</a:t>
             </a:fld>
             <a:endParaRPr lang="en-GB"/>
           </a:p>
@@ -746,7 +746,7 @@
             <a:fld id="{1D8BD707-D9CF-40AE-B4C6-C98DA3205C09}" type="datetimeFigureOut">
               <a:rPr lang="en-US" smtClean="0"/>
               <a:pPr/>
-              <a:t>5/22/2018</a:t>
+              <a:t>7/8/2018</a:t>
             </a:fld>
             <a:endParaRPr lang="en-US"/>
           </a:p>
@@ -913,7 +913,7 @@
             <a:fld id="{1D8BD707-D9CF-40AE-B4C6-C98DA3205C09}" type="datetimeFigureOut">
               <a:rPr lang="en-US" smtClean="0"/>
               <a:pPr/>
-              <a:t>5/22/2018</a:t>
+              <a:t>7/8/2018</a:t>
             </a:fld>
             <a:endParaRPr lang="en-US"/>
           </a:p>
@@ -1090,7 +1090,7 @@
             <a:fld id="{1D8BD707-D9CF-40AE-B4C6-C98DA3205C09}" type="datetimeFigureOut">
               <a:rPr lang="en-US" smtClean="0"/>
               <a:pPr/>
-              <a:t>5/22/2018</a:t>
+              <a:t>7/8/2018</a:t>
             </a:fld>
             <a:endParaRPr lang="en-US"/>
           </a:p>
@@ -1257,7 +1257,7 @@
             <a:fld id="{1D8BD707-D9CF-40AE-B4C6-C98DA3205C09}" type="datetimeFigureOut">
               <a:rPr lang="en-US" smtClean="0"/>
               <a:pPr/>
-              <a:t>5/22/2018</a:t>
+              <a:t>7/8/2018</a:t>
             </a:fld>
             <a:endParaRPr lang="en-US"/>
           </a:p>
@@ -1500,7 +1500,7 @@
             <a:fld id="{1D8BD707-D9CF-40AE-B4C6-C98DA3205C09}" type="datetimeFigureOut">
               <a:rPr lang="en-US" smtClean="0"/>
               <a:pPr/>
-              <a:t>5/22/2018</a:t>
+              <a:t>7/8/2018</a:t>
             </a:fld>
             <a:endParaRPr lang="en-US"/>
           </a:p>
@@ -1785,7 +1785,7 @@
             <a:fld id="{1D8BD707-D9CF-40AE-B4C6-C98DA3205C09}" type="datetimeFigureOut">
               <a:rPr lang="en-US" smtClean="0"/>
               <a:pPr/>
-              <a:t>5/22/2018</a:t>
+              <a:t>7/8/2018</a:t>
             </a:fld>
             <a:endParaRPr lang="en-US"/>
           </a:p>
@@ -2204,7 +2204,7 @@
             <a:fld id="{1D8BD707-D9CF-40AE-B4C6-C98DA3205C09}" type="datetimeFigureOut">
               <a:rPr lang="en-US" smtClean="0"/>
               <a:pPr/>
-              <a:t>5/22/2018</a:t>
+              <a:t>7/8/2018</a:t>
             </a:fld>
             <a:endParaRPr lang="en-US"/>
           </a:p>
@@ -2319,7 +2319,7 @@
             <a:fld id="{1D8BD707-D9CF-40AE-B4C6-C98DA3205C09}" type="datetimeFigureOut">
               <a:rPr lang="en-US" smtClean="0"/>
               <a:pPr/>
-              <a:t>5/22/2018</a:t>
+              <a:t>7/8/2018</a:t>
             </a:fld>
             <a:endParaRPr lang="en-US"/>
           </a:p>
@@ -2411,7 +2411,7 @@
             <a:fld id="{1D8BD707-D9CF-40AE-B4C6-C98DA3205C09}" type="datetimeFigureOut">
               <a:rPr lang="en-US" smtClean="0"/>
               <a:pPr/>
-              <a:t>5/22/2018</a:t>
+              <a:t>7/8/2018</a:t>
             </a:fld>
             <a:endParaRPr lang="en-US"/>
           </a:p>
@@ -2685,7 +2685,7 @@
             <a:fld id="{1D8BD707-D9CF-40AE-B4C6-C98DA3205C09}" type="datetimeFigureOut">
               <a:rPr lang="en-US" smtClean="0"/>
               <a:pPr/>
-              <a:t>5/22/2018</a:t>
+              <a:t>7/8/2018</a:t>
             </a:fld>
             <a:endParaRPr lang="en-US"/>
           </a:p>
@@ -2935,7 +2935,7 @@
             <a:fld id="{1D8BD707-D9CF-40AE-B4C6-C98DA3205C09}" type="datetimeFigureOut">
               <a:rPr lang="en-US" smtClean="0"/>
               <a:pPr/>
-              <a:t>5/22/2018</a:t>
+              <a:t>7/8/2018</a:t>
             </a:fld>
             <a:endParaRPr lang="en-US"/>
           </a:p>
@@ -3145,7 +3145,7 @@
             <a:fld id="{1D8BD707-D9CF-40AE-B4C6-C98DA3205C09}" type="datetimeFigureOut">
               <a:rPr lang="en-US" smtClean="0"/>
               <a:pPr/>
-              <a:t>5/22/2018</a:t>
+              <a:t>7/8/2018</a:t>
             </a:fld>
             <a:endParaRPr lang="en-US"/>
           </a:p>
@@ -3526,22 +3526,19 @@
             <p:ph type="subTitle" idx="1"/>
           </p:nvPr>
         </p:nvSpPr>
-        <p:spPr/>
+        <p:spPr>
+          <a:xfrm>
+            <a:off x="1371600" y="4114800"/>
+            <a:ext cx="6400800" cy="1524000"/>
+          </a:xfrm>
+        </p:spPr>
         <p:txBody>
           <a:bodyPr/>
           <a:lstStyle/>
           <a:p>
             <a:r>
               <a:rPr lang="en-US" dirty="0" err="1" smtClean="0"/>
-              <a:t>Người</a:t>
-            </a:r>
-            <a:r>
-              <a:rPr lang="en-US" dirty="0" smtClean="0"/>
-              <a:t> </a:t>
-            </a:r>
-            <a:r>
-              <a:rPr lang="en-US" dirty="0" err="1" smtClean="0"/>
-              <a:t>hướng</a:t>
+              <a:t>Hướng</a:t>
             </a:r>
             <a:r>
               <a:rPr lang="en-US" dirty="0" smtClean="0"/>
@@ -5377,14 +5374,6 @@
               </a:rPr>
               <a:t>$("p").click(function(){</a:t>
             </a:r>
-            <a:r>
-              <a:rPr lang="en-US" dirty="0">
-                <a:solidFill>
-                  <a:srgbClr val="FF0000"/>
-                </a:solidFill>
-              </a:rPr>
-              <a:t/>
-            </a:r>
             <a:br>
               <a:rPr lang="en-US" dirty="0">
                 <a:solidFill>
@@ -5399,14 +5388,6 @@
                 </a:solidFill>
               </a:rPr>
               <a:t>    alert("The paragraph was clicked.");</a:t>
-            </a:r>
-            <a:r>
-              <a:rPr lang="en-US" dirty="0">
-                <a:solidFill>
-                  <a:srgbClr val="FF0000"/>
-                </a:solidFill>
-              </a:rPr>
-              <a:t/>
             </a:r>
             <a:br>
               <a:rPr lang="en-US" dirty="0">
@@ -5926,11 +5907,7 @@
             </a:pPr>
             <a:r>
               <a:rPr lang="en-US" dirty="0"/>
-              <a:t>	</a:t>
-            </a:r>
-            <a:r>
-              <a:rPr lang="en-US" dirty="0"/>
-              <a:t>  </a:t>
+              <a:t>	  </a:t>
             </a:r>
             <a:r>
               <a:rPr lang="en-US" dirty="0" smtClean="0"/>
@@ -6178,7 +6155,31 @@
           <a:p>
             <a:r>
               <a:rPr lang="en-GB" dirty="0" err="1" smtClean="0"/>
-              <a:t>Cú</a:t>
+              <a:t>Biết</a:t>
+            </a:r>
+            <a:r>
+              <a:rPr lang="en-GB" dirty="0" smtClean="0"/>
+              <a:t> </a:t>
+            </a:r>
+            <a:r>
+              <a:rPr lang="en-GB" dirty="0" err="1" smtClean="0"/>
+              <a:t>phân</a:t>
+            </a:r>
+            <a:r>
+              <a:rPr lang="en-GB" dirty="0" smtClean="0"/>
+              <a:t> </a:t>
+            </a:r>
+            <a:r>
+              <a:rPr lang="en-GB" dirty="0" err="1" smtClean="0"/>
+              <a:t>biệt</a:t>
+            </a:r>
+            <a:r>
+              <a:rPr lang="en-GB" dirty="0" smtClean="0"/>
+              <a:t> </a:t>
+            </a:r>
+            <a:r>
+              <a:rPr lang="en-GB" dirty="0" err="1" smtClean="0"/>
+              <a:t>cú</a:t>
             </a:r>
             <a:r>
               <a:rPr lang="en-GB" dirty="0" smtClean="0"/>
@@ -6198,6 +6199,33 @@
             </a:r>
             <a:r>
               <a:rPr lang="en-GB" dirty="0" smtClean="0"/>
+              <a:t> jQuery</a:t>
+            </a:r>
+          </a:p>
+          <a:p>
+            <a:pPr lvl="1"/>
+            <a:r>
+              <a:rPr lang="vi-VN" dirty="0" smtClean="0"/>
+              <a:t>Ư</a:t>
+            </a:r>
+            <a:r>
+              <a:rPr lang="en-GB" dirty="0" smtClean="0"/>
+              <a:t>u </a:t>
+            </a:r>
+            <a:r>
+              <a:rPr lang="en-GB" dirty="0" err="1" smtClean="0"/>
+              <a:t>điểm</a:t>
+            </a:r>
+            <a:r>
+              <a:rPr lang="en-GB" dirty="0" smtClean="0"/>
+              <a:t> </a:t>
+            </a:r>
+            <a:r>
+              <a:rPr lang="en-GB" dirty="0" err="1" smtClean="0"/>
+              <a:t>của</a:t>
+            </a:r>
+            <a:r>
+              <a:rPr lang="en-GB" dirty="0" smtClean="0"/>
               <a:t> </a:t>
             </a:r>
             <a:r>
@@ -6209,16 +6237,8 @@
           <a:p>
             <a:pPr lvl="1"/>
             <a:r>
-              <a:rPr lang="vi-VN" dirty="0" smtClean="0"/>
-              <a:t>Ư</a:t>
-            </a:r>
-            <a:r>
-              <a:rPr lang="en-GB" dirty="0" smtClean="0"/>
-              <a:t>u </a:t>
-            </a:r>
-            <a:r>
               <a:rPr lang="en-GB" dirty="0" err="1" smtClean="0"/>
-              <a:t>điểm</a:t>
+              <a:t>Cú</a:t>
             </a:r>
             <a:r>
               <a:rPr lang="en-GB" dirty="0" smtClean="0"/>
@@ -6226,7 +6246,70 @@
             </a:r>
             <a:r>
               <a:rPr lang="en-GB" dirty="0" err="1" smtClean="0"/>
-              <a:t>của</a:t>
+              <a:t>pháp</a:t>
+            </a:r>
+            <a:r>
+              <a:rPr lang="en-GB" dirty="0" smtClean="0"/>
+              <a:t> </a:t>
+            </a:r>
+            <a:r>
+              <a:rPr lang="en-GB" dirty="0" err="1" smtClean="0"/>
+              <a:t>và</a:t>
+            </a:r>
+            <a:r>
+              <a:rPr lang="en-GB" dirty="0" smtClean="0"/>
+              <a:t> </a:t>
+            </a:r>
+            <a:r>
+              <a:rPr lang="en-GB" dirty="0" err="1"/>
+              <a:t>c</a:t>
+            </a:r>
+            <a:r>
+              <a:rPr lang="en-GB" dirty="0" err="1" smtClean="0"/>
+              <a:t>ách</a:t>
+            </a:r>
+            <a:r>
+              <a:rPr lang="en-GB" dirty="0" smtClean="0"/>
+              <a:t> </a:t>
+            </a:r>
+            <a:r>
+              <a:rPr lang="en-GB" dirty="0" err="1" smtClean="0"/>
+              <a:t>sử</a:t>
+            </a:r>
+            <a:r>
+              <a:rPr lang="en-GB" dirty="0" smtClean="0"/>
+              <a:t> </a:t>
+            </a:r>
+            <a:r>
+              <a:rPr lang="en-GB" dirty="0" err="1" smtClean="0"/>
+              <a:t>dụng</a:t>
+            </a:r>
+            <a:r>
+              <a:rPr lang="en-GB" dirty="0" smtClean="0"/>
+              <a:t> </a:t>
+            </a:r>
+            <a:r>
+              <a:rPr lang="en-GB" dirty="0" smtClean="0"/>
+              <a:t>jQuery so </a:t>
+            </a:r>
+            <a:r>
+              <a:rPr lang="en-GB" dirty="0" err="1" smtClean="0"/>
+              <a:t>với</a:t>
+            </a:r>
+            <a:r>
+              <a:rPr lang="en-GB" dirty="0" smtClean="0"/>
+              <a:t> JS</a:t>
+            </a:r>
+            <a:endParaRPr lang="en-GB" dirty="0" smtClean="0"/>
+          </a:p>
+          <a:p>
+            <a:r>
+              <a:rPr lang="en-GB" dirty="0" smtClean="0"/>
+              <a:t>Ajax </a:t>
+            </a:r>
+            <a:r>
+              <a:rPr lang="en-GB" dirty="0" err="1" smtClean="0"/>
+              <a:t>trong</a:t>
             </a:r>
             <a:r>
               <a:rPr lang="en-GB" dirty="0" smtClean="0"/>
@@ -6239,10 +6322,9 @@
             <a:endParaRPr lang="en-GB" dirty="0" smtClean="0"/>
           </a:p>
           <a:p>
-            <a:pPr lvl="1"/>
             <a:r>
               <a:rPr lang="en-GB" dirty="0" err="1" smtClean="0"/>
-              <a:t>Cú</a:t>
+              <a:t>Giới</a:t>
             </a:r>
             <a:r>
               <a:rPr lang="en-GB" dirty="0" smtClean="0"/>
@@ -6250,7 +6332,7 @@
             </a:r>
             <a:r>
               <a:rPr lang="en-GB" dirty="0" err="1" smtClean="0"/>
-              <a:t>pháp</a:t>
+              <a:t>thiệu</a:t>
             </a:r>
             <a:r>
               <a:rPr lang="en-GB" dirty="0" smtClean="0"/>
@@ -6258,69 +6340,27 @@
             </a:r>
             <a:r>
               <a:rPr lang="en-GB" dirty="0" err="1" smtClean="0"/>
-              <a:t>và</a:t>
-            </a:r>
-            <a:r>
-              <a:rPr lang="en-GB" dirty="0" smtClean="0"/>
-              <a:t> </a:t>
-            </a:r>
-            <a:r>
-              <a:rPr lang="en-GB" dirty="0" err="1"/>
-              <a:t>c</a:t>
+              <a:t>bài</a:t>
+            </a:r>
+            <a:r>
+              <a:rPr lang="en-GB" dirty="0" smtClean="0"/>
+              <a:t> </a:t>
             </a:r>
             <a:r>
               <a:rPr lang="en-GB" dirty="0" err="1" smtClean="0"/>
-              <a:t>ách</a:t>
-            </a:r>
-            <a:r>
-              <a:rPr lang="en-GB" dirty="0" smtClean="0"/>
-              <a:t> </a:t>
-            </a:r>
-            <a:r>
-              <a:rPr lang="en-GB" dirty="0" err="1" smtClean="0"/>
-              <a:t>sử</a:t>
-            </a:r>
-            <a:r>
-              <a:rPr lang="en-GB" dirty="0" smtClean="0"/>
-              <a:t> </a:t>
-            </a:r>
-            <a:r>
-              <a:rPr lang="en-GB" dirty="0" err="1" smtClean="0"/>
-              <a:t>dụng</a:t>
-            </a:r>
-            <a:r>
-              <a:rPr lang="en-GB" dirty="0" smtClean="0"/>
-              <a:t> </a:t>
-            </a:r>
-            <a:r>
-              <a:rPr lang="en-GB" dirty="0" err="1" smtClean="0"/>
-              <a:t>jQuery</a:t>
-            </a:r>
-            <a:endParaRPr lang="en-GB" dirty="0" smtClean="0"/>
-          </a:p>
-          <a:p>
-            <a:r>
-              <a:rPr lang="en-GB" dirty="0" smtClean="0"/>
-              <a:t>Ajax </a:t>
-            </a:r>
-            <a:r>
-              <a:rPr lang="en-GB" dirty="0" err="1" smtClean="0"/>
-              <a:t>trong</a:t>
-            </a:r>
-            <a:r>
-              <a:rPr lang="en-GB" dirty="0" smtClean="0"/>
-              <a:t> </a:t>
-            </a:r>
-            <a:r>
-              <a:rPr lang="en-GB" dirty="0" err="1" smtClean="0"/>
-              <a:t>jQuery</a:t>
-            </a:r>
-            <a:endParaRPr lang="en-GB" dirty="0" smtClean="0"/>
-          </a:p>
-          <a:p>
-            <a:r>
-              <a:rPr lang="en-GB" dirty="0" smtClean="0"/>
-              <a:t>Layout website</a:t>
+              <a:t>sau</a:t>
+            </a:r>
+            <a:r>
+              <a:rPr lang="en-GB" dirty="0" smtClean="0"/>
+              <a:t>: </a:t>
+            </a:r>
+            <a:r>
+              <a:rPr lang="en-GB" dirty="0" smtClean="0"/>
+              <a:t>Layout </a:t>
+            </a:r>
+            <a:r>
+              <a:rPr lang="en-GB" dirty="0" smtClean="0"/>
+              <a:t>website</a:t>
             </a:r>
             <a:endParaRPr lang="en-GB" dirty="0"/>
           </a:p>
@@ -6823,13 +6863,8 @@
             </a:r>
             <a:r>
               <a:rPr lang="en-US" dirty="0" smtClean="0"/>
-              <a:t> </a:t>
-            </a:r>
-            <a:r>
-              <a:rPr lang="en-US" dirty="0" smtClean="0"/>
-              <a:t>JavaScript</a:t>
-            </a:r>
-            <a:endParaRPr lang="en-US" dirty="0" smtClean="0"/>
+              <a:t> JavaScript</a:t>
+            </a:r>
           </a:p>
           <a:p>
             <a:r>
@@ -7046,7 +7081,7 @@
           <p:nvPr/>
         </p:nvPicPr>
         <p:blipFill>
-          <a:blip r:embed="rId2">
+          <a:blip r:embed="rId2" cstate="print">
             <a:extLst>
               <a:ext uri="{28A0092B-C50C-407E-A947-70E740481C1C}">
                 <a14:useLocalDpi xmlns:a14="http://schemas.microsoft.com/office/drawing/2010/main" val="0"/>
@@ -7078,25 +7113,6 @@
           </a:extLst>
         </p:spPr>
       </p:pic>
-      <p:sp>
-        <p:nvSpPr>
-          <p:cNvPr id="4" name="Content Placeholder 3"/>
-          <p:cNvSpPr>
-            <a:spLocks noGrp="1"/>
-          </p:cNvSpPr>
-          <p:nvPr>
-            <p:ph idx="1"/>
-          </p:nvPr>
-        </p:nvSpPr>
-        <p:spPr/>
-        <p:txBody>
-          <a:bodyPr/>
-          <a:lstStyle/>
-          <a:p>
-            <a:endParaRPr lang="en-GB"/>
-          </a:p>
-        </p:txBody>
-      </p:sp>
     </p:spTree>
     <p:extLst>
       <p:ext uri="{BB962C8B-B14F-4D97-AF65-F5344CB8AC3E}">
@@ -7298,11 +7314,7 @@
             </a:r>
             <a:r>
               <a:rPr lang="en-US" dirty="0" smtClean="0"/>
-              <a:t>: </a:t>
-            </a:r>
-            <a:r>
-              <a:rPr lang="en-US" dirty="0" smtClean="0"/>
-              <a:t>JS </a:t>
+              <a:t>: JS </a:t>
             </a:r>
             <a:r>
               <a:rPr lang="en-US" dirty="0" err="1" smtClean="0"/>
@@ -7370,27 +7382,51 @@
               <a:buNone/>
             </a:pPr>
             <a:r>
-              <a:rPr lang="en-US" dirty="0" err="1" smtClean="0"/>
+              <a:rPr lang="en-US" dirty="0" err="1" smtClean="0">
+                <a:solidFill>
+                  <a:srgbClr val="FF0000"/>
+                </a:solidFill>
+              </a:rPr>
               <a:t>var</a:t>
             </a:r>
             <a:r>
-              <a:rPr lang="en-US" dirty="0" smtClean="0"/>
-              <a:t> </a:t>
-            </a:r>
-            <a:r>
-              <a:rPr lang="en-US" dirty="0" err="1" smtClean="0"/>
+              <a:rPr lang="en-US" dirty="0" smtClean="0">
+                <a:solidFill>
+                  <a:srgbClr val="FF0000"/>
+                </a:solidFill>
+              </a:rPr>
+              <a:t> </a:t>
+            </a:r>
+            <a:r>
+              <a:rPr lang="en-US" dirty="0" err="1" smtClean="0">
+                <a:solidFill>
+                  <a:srgbClr val="FF0000"/>
+                </a:solidFill>
+              </a:rPr>
               <a:t>listA</a:t>
             </a:r>
             <a:r>
-              <a:rPr lang="en-US" dirty="0" smtClean="0"/>
+              <a:rPr lang="en-US" dirty="0" smtClean="0">
+                <a:solidFill>
+                  <a:srgbClr val="FF0000"/>
+                </a:solidFill>
+              </a:rPr>
               <a:t> = </a:t>
             </a:r>
             <a:r>
-              <a:rPr lang="en-US" dirty="0" err="1" smtClean="0"/>
+              <a:rPr lang="en-US" dirty="0" err="1" smtClean="0">
+                <a:solidFill>
+                  <a:srgbClr val="FF0000"/>
+                </a:solidFill>
+              </a:rPr>
               <a:t>document.getElementsByTagName</a:t>
             </a:r>
             <a:r>
-              <a:rPr lang="en-US" dirty="0" smtClean="0"/>
+              <a:rPr lang="en-US" dirty="0" smtClean="0">
+                <a:solidFill>
+                  <a:srgbClr val="FF0000"/>
+                </a:solidFill>
+              </a:rPr>
               <a:t>(“a”);</a:t>
             </a:r>
           </a:p>
@@ -7399,51 +7435,99 @@
               <a:buNone/>
             </a:pPr>
             <a:r>
-              <a:rPr lang="en-US" dirty="0"/>
+              <a:rPr lang="en-US" dirty="0">
+                <a:solidFill>
+                  <a:srgbClr val="FF0000"/>
+                </a:solidFill>
+              </a:rPr>
               <a:t>f</a:t>
             </a:r>
             <a:r>
-              <a:rPr lang="en-US" dirty="0" smtClean="0"/>
+              <a:rPr lang="en-US" dirty="0" smtClean="0">
+                <a:solidFill>
+                  <a:srgbClr val="FF0000"/>
+                </a:solidFill>
+              </a:rPr>
               <a:t>or(</a:t>
             </a:r>
             <a:r>
-              <a:rPr lang="en-US" dirty="0" err="1" smtClean="0"/>
+              <a:rPr lang="en-US" dirty="0" err="1" smtClean="0">
+                <a:solidFill>
+                  <a:srgbClr val="FF0000"/>
+                </a:solidFill>
+              </a:rPr>
               <a:t>var</a:t>
             </a:r>
             <a:r>
-              <a:rPr lang="en-US" dirty="0" smtClean="0"/>
-              <a:t> </a:t>
-            </a:r>
-            <a:r>
-              <a:rPr lang="en-US" dirty="0" err="1" smtClean="0"/>
+              <a:rPr lang="en-US" dirty="0" smtClean="0">
+                <a:solidFill>
+                  <a:srgbClr val="FF0000"/>
+                </a:solidFill>
+              </a:rPr>
+              <a:t> </a:t>
+            </a:r>
+            <a:r>
+              <a:rPr lang="en-US" dirty="0" err="1" smtClean="0">
+                <a:solidFill>
+                  <a:srgbClr val="FF0000"/>
+                </a:solidFill>
+              </a:rPr>
               <a:t>i</a:t>
             </a:r>
             <a:r>
-              <a:rPr lang="en-US" dirty="0" smtClean="0"/>
+              <a:rPr lang="en-US" dirty="0" smtClean="0">
+                <a:solidFill>
+                  <a:srgbClr val="FF0000"/>
+                </a:solidFill>
+              </a:rPr>
               <a:t> = 0, </a:t>
             </a:r>
             <a:r>
-              <a:rPr lang="en-US" dirty="0" err="1" smtClean="0"/>
+              <a:rPr lang="en-US" dirty="0" err="1" smtClean="0">
+                <a:solidFill>
+                  <a:srgbClr val="FF0000"/>
+                </a:solidFill>
+              </a:rPr>
               <a:t>i</a:t>
             </a:r>
             <a:r>
-              <a:rPr lang="en-US" dirty="0" smtClean="0"/>
+              <a:rPr lang="en-US" dirty="0" smtClean="0">
+                <a:solidFill>
+                  <a:srgbClr val="FF0000"/>
+                </a:solidFill>
+              </a:rPr>
               <a:t> &lt; </a:t>
             </a:r>
             <a:r>
-              <a:rPr lang="en-US" dirty="0" err="1" smtClean="0"/>
+              <a:rPr lang="en-US" dirty="0" err="1" smtClean="0">
+                <a:solidFill>
+                  <a:srgbClr val="FF0000"/>
+                </a:solidFill>
+              </a:rPr>
               <a:t>listA.length</a:t>
             </a:r>
             <a:r>
-              <a:rPr lang="en-US" dirty="0" smtClean="0"/>
+              <a:rPr lang="en-US" dirty="0" smtClean="0">
+                <a:solidFill>
+                  <a:srgbClr val="FF0000"/>
+                </a:solidFill>
+              </a:rPr>
               <a:t>; </a:t>
             </a:r>
             <a:r>
-              <a:rPr lang="en-US" dirty="0" err="1" smtClean="0"/>
+              <a:rPr lang="en-US" dirty="0" err="1" smtClean="0">
+                <a:solidFill>
+                  <a:srgbClr val="FF0000"/>
+                </a:solidFill>
+              </a:rPr>
               <a:t>i</a:t>
             </a:r>
             <a:r>
-              <a:rPr lang="en-US" dirty="0" smtClean="0"/>
+              <a:rPr lang="en-US" dirty="0" smtClean="0">
+                <a:solidFill>
+                  <a:srgbClr val="FF0000"/>
+                </a:solidFill>
+              </a:rPr>
               <a:t> ++){</a:t>
             </a:r>
           </a:p>
@@ -7452,40 +7536,76 @@
               <a:buNone/>
             </a:pPr>
             <a:r>
-              <a:rPr lang="en-US" dirty="0" smtClean="0"/>
+              <a:rPr lang="en-US" dirty="0" smtClean="0">
+                <a:solidFill>
+                  <a:srgbClr val="FF0000"/>
+                </a:solidFill>
+              </a:rPr>
               <a:t>	</a:t>
             </a:r>
             <a:r>
-              <a:rPr lang="en-US" dirty="0"/>
-              <a:t> </a:t>
-            </a:r>
-            <a:r>
-              <a:rPr lang="en-US" dirty="0" err="1" smtClean="0"/>
+              <a:rPr lang="en-US" dirty="0">
+                <a:solidFill>
+                  <a:srgbClr val="FF0000"/>
+                </a:solidFill>
+              </a:rPr>
+              <a:t> </a:t>
+            </a:r>
+            <a:r>
+              <a:rPr lang="en-US" dirty="0" err="1" smtClean="0">
+                <a:solidFill>
+                  <a:srgbClr val="FF0000"/>
+                </a:solidFill>
+              </a:rPr>
               <a:t>listA</a:t>
             </a:r>
             <a:r>
-              <a:rPr lang="en-US" dirty="0" smtClean="0"/>
+              <a:rPr lang="en-US" dirty="0" smtClean="0">
+                <a:solidFill>
+                  <a:srgbClr val="FF0000"/>
+                </a:solidFill>
+              </a:rPr>
               <a:t>[</a:t>
             </a:r>
             <a:r>
-              <a:rPr lang="en-US" dirty="0" err="1" smtClean="0"/>
+              <a:rPr lang="en-US" dirty="0" err="1" smtClean="0">
+                <a:solidFill>
+                  <a:srgbClr val="FF0000"/>
+                </a:solidFill>
+              </a:rPr>
               <a:t>i</a:t>
             </a:r>
             <a:r>
-              <a:rPr lang="en-US" dirty="0" smtClean="0"/>
+              <a:rPr lang="en-US" dirty="0" smtClean="0">
+                <a:solidFill>
+                  <a:srgbClr val="FF0000"/>
+                </a:solidFill>
+              </a:rPr>
               <a:t>].style = “color: red”;</a:t>
             </a:r>
-            <a:endParaRPr lang="en-US" dirty="0"/>
+            <a:endParaRPr lang="en-US" dirty="0">
+              <a:solidFill>
+                <a:srgbClr val="FF0000"/>
+              </a:solidFill>
+            </a:endParaRPr>
           </a:p>
           <a:p>
             <a:pPr marL="400050" lvl="1" indent="0">
               <a:buNone/>
             </a:pPr>
             <a:r>
-              <a:rPr lang="en-US" dirty="0" smtClean="0"/>
+              <a:rPr lang="en-US" dirty="0" smtClean="0">
+                <a:solidFill>
+                  <a:srgbClr val="FF0000"/>
+                </a:solidFill>
+              </a:rPr>
               <a:t>}</a:t>
             </a:r>
-            <a:endParaRPr lang="en-US" dirty="0"/>
+            <a:endParaRPr lang="en-US" dirty="0">
+              <a:solidFill>
+                <a:srgbClr val="FF0000"/>
+              </a:solidFill>
+            </a:endParaRPr>
           </a:p>
           <a:p>
             <a:r>
@@ -7506,26 +7626,50 @@
               <a:t>	</a:t>
             </a:r>
             <a:r>
-              <a:rPr lang="en-US" sz="2800" dirty="0"/>
-              <a:t> </a:t>
-            </a:r>
-            <a:r>
-              <a:rPr lang="en-US" sz="2800" dirty="0" smtClean="0"/>
+              <a:rPr lang="en-US" sz="2800" dirty="0">
+                <a:solidFill>
+                  <a:srgbClr val="FF0000"/>
+                </a:solidFill>
+              </a:rPr>
+              <a:t> </a:t>
+            </a:r>
+            <a:r>
+              <a:rPr lang="en-US" sz="2800" dirty="0" smtClean="0">
+                <a:solidFill>
+                  <a:srgbClr val="FF0000"/>
+                </a:solidFill>
+              </a:rPr>
               <a:t>$("</a:t>
             </a:r>
             <a:r>
-              <a:rPr lang="en-US" sz="2800" dirty="0"/>
+              <a:rPr lang="en-US" sz="2800" dirty="0">
+                <a:solidFill>
+                  <a:srgbClr val="FF0000"/>
+                </a:solidFill>
+              </a:rPr>
               <a:t>a" ).</a:t>
             </a:r>
             <a:r>
-              <a:rPr lang="en-US" sz="2800" dirty="0" err="1"/>
+              <a:rPr lang="en-US" sz="2800" dirty="0" err="1">
+                <a:solidFill>
+                  <a:srgbClr val="FF0000"/>
+                </a:solidFill>
+              </a:rPr>
               <a:t>css</a:t>
             </a:r>
             <a:r>
-              <a:rPr lang="en-US" sz="2800" dirty="0"/>
+              <a:rPr lang="en-US" sz="2800" dirty="0">
+                <a:solidFill>
+                  <a:srgbClr val="FF0000"/>
+                </a:solidFill>
+              </a:rPr>
               <a:t>( "color", "red" );</a:t>
             </a:r>
-            <a:endParaRPr lang="en-US" sz="2500" dirty="0" smtClean="0"/>
+            <a:endParaRPr lang="en-US" sz="2500" dirty="0" smtClean="0">
+              <a:solidFill>
+                <a:srgbClr val="FF0000"/>
+              </a:solidFill>
+            </a:endParaRPr>
           </a:p>
         </p:txBody>
       </p:sp>
